--- a/If Statements - C#.pptx
+++ b/If Statements - C#.pptx
@@ -108,6 +108,22 @@
       </a:defRPr>
     </a:lvl9pPr>
   </p:defaultTextStyle>
+  <p:extLst>
+    <p:ext uri="{EFAFB233-063F-42B5-8137-9DF3F51BA10A}">
+      <p15:sldGuideLst xmlns:p15="http://schemas.microsoft.com/office/powerpoint/2012/main">
+        <p15:guide id="1" orient="horz" pos="2160">
+          <p15:clr>
+            <a:srgbClr val="A4A3A4"/>
+          </p15:clr>
+        </p15:guide>
+        <p15:guide id="2" pos="2880">
+          <p15:clr>
+            <a:srgbClr val="A4A3A4"/>
+          </p15:clr>
+        </p15:guide>
+      </p15:sldGuideLst>
+    </p:ext>
+  </p:extLst>
 </p:presentation>
 </file>
 
@@ -149,7 +165,7 @@
           <a:lstStyle/>
           <a:p>
             <a:r>
-              <a:rPr lang="en-US" smtClean="0"/>
+              <a:rPr lang="en-US"/>
               <a:t>Click to edit Master title style</a:t>
             </a:r>
             <a:endParaRPr lang="en-GB"/>
@@ -268,7 +284,7 @@
           </a:lstStyle>
           <a:p>
             <a:r>
-              <a:rPr lang="en-US" smtClean="0"/>
+              <a:rPr lang="en-US"/>
               <a:t>Click to edit Master subtitle style</a:t>
             </a:r>
             <a:endParaRPr lang="en-GB"/>
@@ -292,7 +308,7 @@
           <a:p>
             <a:fld id="{582F88E2-ABBC-4057-B4C5-64CCD90AA8FB}" type="datetimeFigureOut">
               <a:rPr lang="en-US" smtClean="0"/>
-              <a:t>5/30/2019</a:t>
+              <a:t>6/6/19</a:t>
             </a:fld>
             <a:endParaRPr lang="en-GB" dirty="0"/>
           </a:p>
@@ -381,7 +397,7 @@
           <a:lstStyle/>
           <a:p>
             <a:r>
-              <a:rPr lang="en-US" smtClean="0"/>
+              <a:rPr lang="en-US"/>
               <a:t>Click to edit Master title style</a:t>
             </a:r>
             <a:endParaRPr lang="en-GB"/>
@@ -405,35 +421,35 @@
           <a:p>
             <a:pPr lvl="0"/>
             <a:r>
-              <a:rPr lang="en-US" smtClean="0"/>
+              <a:rPr lang="en-US"/>
               <a:t>Click to edit Master text styles</a:t>
             </a:r>
           </a:p>
           <a:p>
             <a:pPr lvl="1"/>
             <a:r>
-              <a:rPr lang="en-US" smtClean="0"/>
+              <a:rPr lang="en-US"/>
               <a:t>Second level</a:t>
             </a:r>
           </a:p>
           <a:p>
             <a:pPr lvl="2"/>
             <a:r>
-              <a:rPr lang="en-US" smtClean="0"/>
+              <a:rPr lang="en-US"/>
               <a:t>Third level</a:t>
             </a:r>
           </a:p>
           <a:p>
             <a:pPr lvl="3"/>
             <a:r>
-              <a:rPr lang="en-US" smtClean="0"/>
+              <a:rPr lang="en-US"/>
               <a:t>Fourth level</a:t>
             </a:r>
           </a:p>
           <a:p>
             <a:pPr lvl="4"/>
             <a:r>
-              <a:rPr lang="en-US" smtClean="0"/>
+              <a:rPr lang="en-US"/>
               <a:t>Fifth level</a:t>
             </a:r>
             <a:endParaRPr lang="en-GB"/>
@@ -457,7 +473,7 @@
           <a:p>
             <a:fld id="{582F88E2-ABBC-4057-B4C5-64CCD90AA8FB}" type="datetimeFigureOut">
               <a:rPr lang="en-US" smtClean="0"/>
-              <a:t>5/30/2019</a:t>
+              <a:t>6/6/19</a:t>
             </a:fld>
             <a:endParaRPr lang="en-GB" dirty="0"/>
           </a:p>
@@ -551,7 +567,7 @@
           <a:lstStyle/>
           <a:p>
             <a:r>
-              <a:rPr lang="en-US" smtClean="0"/>
+              <a:rPr lang="en-US"/>
               <a:t>Click to edit Master title style</a:t>
             </a:r>
             <a:endParaRPr lang="en-GB"/>
@@ -580,35 +596,35 @@
           <a:p>
             <a:pPr lvl="0"/>
             <a:r>
-              <a:rPr lang="en-US" smtClean="0"/>
+              <a:rPr lang="en-US"/>
               <a:t>Click to edit Master text styles</a:t>
             </a:r>
           </a:p>
           <a:p>
             <a:pPr lvl="1"/>
             <a:r>
-              <a:rPr lang="en-US" smtClean="0"/>
+              <a:rPr lang="en-US"/>
               <a:t>Second level</a:t>
             </a:r>
           </a:p>
           <a:p>
             <a:pPr lvl="2"/>
             <a:r>
-              <a:rPr lang="en-US" smtClean="0"/>
+              <a:rPr lang="en-US"/>
               <a:t>Third level</a:t>
             </a:r>
           </a:p>
           <a:p>
             <a:pPr lvl="3"/>
             <a:r>
-              <a:rPr lang="en-US" smtClean="0"/>
+              <a:rPr lang="en-US"/>
               <a:t>Fourth level</a:t>
             </a:r>
           </a:p>
           <a:p>
             <a:pPr lvl="4"/>
             <a:r>
-              <a:rPr lang="en-US" smtClean="0"/>
+              <a:rPr lang="en-US"/>
               <a:t>Fifth level</a:t>
             </a:r>
             <a:endParaRPr lang="en-GB"/>
@@ -632,7 +648,7 @@
           <a:p>
             <a:fld id="{582F88E2-ABBC-4057-B4C5-64CCD90AA8FB}" type="datetimeFigureOut">
               <a:rPr lang="en-US" smtClean="0"/>
-              <a:t>5/30/2019</a:t>
+              <a:t>6/6/19</a:t>
             </a:fld>
             <a:endParaRPr lang="en-GB" dirty="0"/>
           </a:p>
@@ -721,7 +737,7 @@
           <a:lstStyle/>
           <a:p>
             <a:r>
-              <a:rPr lang="en-US" smtClean="0"/>
+              <a:rPr lang="en-US"/>
               <a:t>Click to edit Master title style</a:t>
             </a:r>
             <a:endParaRPr lang="en-GB"/>
@@ -745,35 +761,35 @@
           <a:p>
             <a:pPr lvl="0"/>
             <a:r>
-              <a:rPr lang="en-US" smtClean="0"/>
+              <a:rPr lang="en-US"/>
               <a:t>Click to edit Master text styles</a:t>
             </a:r>
           </a:p>
           <a:p>
             <a:pPr lvl="1"/>
             <a:r>
-              <a:rPr lang="en-US" smtClean="0"/>
+              <a:rPr lang="en-US"/>
               <a:t>Second level</a:t>
             </a:r>
           </a:p>
           <a:p>
             <a:pPr lvl="2"/>
             <a:r>
-              <a:rPr lang="en-US" smtClean="0"/>
+              <a:rPr lang="en-US"/>
               <a:t>Third level</a:t>
             </a:r>
           </a:p>
           <a:p>
             <a:pPr lvl="3"/>
             <a:r>
-              <a:rPr lang="en-US" smtClean="0"/>
+              <a:rPr lang="en-US"/>
               <a:t>Fourth level</a:t>
             </a:r>
           </a:p>
           <a:p>
             <a:pPr lvl="4"/>
             <a:r>
-              <a:rPr lang="en-US" smtClean="0"/>
+              <a:rPr lang="en-US"/>
               <a:t>Fifth level</a:t>
             </a:r>
             <a:endParaRPr lang="en-GB"/>
@@ -797,7 +813,7 @@
           <a:p>
             <a:fld id="{582F88E2-ABBC-4057-B4C5-64CCD90AA8FB}" type="datetimeFigureOut">
               <a:rPr lang="en-US" smtClean="0"/>
-              <a:t>5/30/2019</a:t>
+              <a:t>6/6/19</a:t>
             </a:fld>
             <a:endParaRPr lang="en-GB" dirty="0"/>
           </a:p>
@@ -895,7 +911,7 @@
           </a:lstStyle>
           <a:p>
             <a:r>
-              <a:rPr lang="en-US" smtClean="0"/>
+              <a:rPr lang="en-US"/>
               <a:t>Click to edit Master title style</a:t>
             </a:r>
             <a:endParaRPr lang="en-GB"/>
@@ -1015,7 +1031,7 @@
           <a:p>
             <a:pPr lvl="0"/>
             <a:r>
-              <a:rPr lang="en-US" smtClean="0"/>
+              <a:rPr lang="en-US"/>
               <a:t>Click to edit Master text styles</a:t>
             </a:r>
           </a:p>
@@ -1038,7 +1054,7 @@
           <a:p>
             <a:fld id="{582F88E2-ABBC-4057-B4C5-64CCD90AA8FB}" type="datetimeFigureOut">
               <a:rPr lang="en-US" smtClean="0"/>
-              <a:t>5/30/2019</a:t>
+              <a:t>6/6/19</a:t>
             </a:fld>
             <a:endParaRPr lang="en-GB" dirty="0"/>
           </a:p>
@@ -1127,7 +1143,7 @@
           <a:lstStyle/>
           <a:p>
             <a:r>
-              <a:rPr lang="en-US" smtClean="0"/>
+              <a:rPr lang="en-US"/>
               <a:t>Click to edit Master title style</a:t>
             </a:r>
             <a:endParaRPr lang="en-GB"/>
@@ -1184,35 +1200,35 @@
           <a:p>
             <a:pPr lvl="0"/>
             <a:r>
-              <a:rPr lang="en-US" smtClean="0"/>
+              <a:rPr lang="en-US"/>
               <a:t>Click to edit Master text styles</a:t>
             </a:r>
           </a:p>
           <a:p>
             <a:pPr lvl="1"/>
             <a:r>
-              <a:rPr lang="en-US" smtClean="0"/>
+              <a:rPr lang="en-US"/>
               <a:t>Second level</a:t>
             </a:r>
           </a:p>
           <a:p>
             <a:pPr lvl="2"/>
             <a:r>
-              <a:rPr lang="en-US" smtClean="0"/>
+              <a:rPr lang="en-US"/>
               <a:t>Third level</a:t>
             </a:r>
           </a:p>
           <a:p>
             <a:pPr lvl="3"/>
             <a:r>
-              <a:rPr lang="en-US" smtClean="0"/>
+              <a:rPr lang="en-US"/>
               <a:t>Fourth level</a:t>
             </a:r>
           </a:p>
           <a:p>
             <a:pPr lvl="4"/>
             <a:r>
-              <a:rPr lang="en-US" smtClean="0"/>
+              <a:rPr lang="en-US"/>
               <a:t>Fifth level</a:t>
             </a:r>
             <a:endParaRPr lang="en-GB"/>
@@ -1269,35 +1285,35 @@
           <a:p>
             <a:pPr lvl="0"/>
             <a:r>
-              <a:rPr lang="en-US" smtClean="0"/>
+              <a:rPr lang="en-US"/>
               <a:t>Click to edit Master text styles</a:t>
             </a:r>
           </a:p>
           <a:p>
             <a:pPr lvl="1"/>
             <a:r>
-              <a:rPr lang="en-US" smtClean="0"/>
+              <a:rPr lang="en-US"/>
               <a:t>Second level</a:t>
             </a:r>
           </a:p>
           <a:p>
             <a:pPr lvl="2"/>
             <a:r>
-              <a:rPr lang="en-US" smtClean="0"/>
+              <a:rPr lang="en-US"/>
               <a:t>Third level</a:t>
             </a:r>
           </a:p>
           <a:p>
             <a:pPr lvl="3"/>
             <a:r>
-              <a:rPr lang="en-US" smtClean="0"/>
+              <a:rPr lang="en-US"/>
               <a:t>Fourth level</a:t>
             </a:r>
           </a:p>
           <a:p>
             <a:pPr lvl="4"/>
             <a:r>
-              <a:rPr lang="en-US" smtClean="0"/>
+              <a:rPr lang="en-US"/>
               <a:t>Fifth level</a:t>
             </a:r>
             <a:endParaRPr lang="en-GB"/>
@@ -1321,7 +1337,7 @@
           <a:p>
             <a:fld id="{582F88E2-ABBC-4057-B4C5-64CCD90AA8FB}" type="datetimeFigureOut">
               <a:rPr lang="en-US" smtClean="0"/>
-              <a:t>5/30/2019</a:t>
+              <a:t>6/6/19</a:t>
             </a:fld>
             <a:endParaRPr lang="en-GB" dirty="0"/>
           </a:p>
@@ -1414,7 +1430,7 @@
           </a:lstStyle>
           <a:p>
             <a:r>
-              <a:rPr lang="en-US" smtClean="0"/>
+              <a:rPr lang="en-US"/>
               <a:t>Click to edit Master title style</a:t>
             </a:r>
             <a:endParaRPr lang="en-GB"/>
@@ -1480,7 +1496,7 @@
           <a:p>
             <a:pPr lvl="0"/>
             <a:r>
-              <a:rPr lang="en-US" smtClean="0"/>
+              <a:rPr lang="en-US"/>
               <a:t>Click to edit Master text styles</a:t>
             </a:r>
           </a:p>
@@ -1536,35 +1552,35 @@
           <a:p>
             <a:pPr lvl="0"/>
             <a:r>
-              <a:rPr lang="en-US" smtClean="0"/>
+              <a:rPr lang="en-US"/>
               <a:t>Click to edit Master text styles</a:t>
             </a:r>
           </a:p>
           <a:p>
             <a:pPr lvl="1"/>
             <a:r>
-              <a:rPr lang="en-US" smtClean="0"/>
+              <a:rPr lang="en-US"/>
               <a:t>Second level</a:t>
             </a:r>
           </a:p>
           <a:p>
             <a:pPr lvl="2"/>
             <a:r>
-              <a:rPr lang="en-US" smtClean="0"/>
+              <a:rPr lang="en-US"/>
               <a:t>Third level</a:t>
             </a:r>
           </a:p>
           <a:p>
             <a:pPr lvl="3"/>
             <a:r>
-              <a:rPr lang="en-US" smtClean="0"/>
+              <a:rPr lang="en-US"/>
               <a:t>Fourth level</a:t>
             </a:r>
           </a:p>
           <a:p>
             <a:pPr lvl="4"/>
             <a:r>
-              <a:rPr lang="en-US" smtClean="0"/>
+              <a:rPr lang="en-US"/>
               <a:t>Fifth level</a:t>
             </a:r>
             <a:endParaRPr lang="en-GB"/>
@@ -1630,7 +1646,7 @@
           <a:p>
             <a:pPr lvl="0"/>
             <a:r>
-              <a:rPr lang="en-US" smtClean="0"/>
+              <a:rPr lang="en-US"/>
               <a:t>Click to edit Master text styles</a:t>
             </a:r>
           </a:p>
@@ -1686,35 +1702,35 @@
           <a:p>
             <a:pPr lvl="0"/>
             <a:r>
-              <a:rPr lang="en-US" smtClean="0"/>
+              <a:rPr lang="en-US"/>
               <a:t>Click to edit Master text styles</a:t>
             </a:r>
           </a:p>
           <a:p>
             <a:pPr lvl="1"/>
             <a:r>
-              <a:rPr lang="en-US" smtClean="0"/>
+              <a:rPr lang="en-US"/>
               <a:t>Second level</a:t>
             </a:r>
           </a:p>
           <a:p>
             <a:pPr lvl="2"/>
             <a:r>
-              <a:rPr lang="en-US" smtClean="0"/>
+              <a:rPr lang="en-US"/>
               <a:t>Third level</a:t>
             </a:r>
           </a:p>
           <a:p>
             <a:pPr lvl="3"/>
             <a:r>
-              <a:rPr lang="en-US" smtClean="0"/>
+              <a:rPr lang="en-US"/>
               <a:t>Fourth level</a:t>
             </a:r>
           </a:p>
           <a:p>
             <a:pPr lvl="4"/>
             <a:r>
-              <a:rPr lang="en-US" smtClean="0"/>
+              <a:rPr lang="en-US"/>
               <a:t>Fifth level</a:t>
             </a:r>
             <a:endParaRPr lang="en-GB"/>
@@ -1738,7 +1754,7 @@
           <a:p>
             <a:fld id="{582F88E2-ABBC-4057-B4C5-64CCD90AA8FB}" type="datetimeFigureOut">
               <a:rPr lang="en-US" smtClean="0"/>
-              <a:t>5/30/2019</a:t>
+              <a:t>6/6/19</a:t>
             </a:fld>
             <a:endParaRPr lang="en-GB" dirty="0"/>
           </a:p>
@@ -1827,7 +1843,7 @@
           <a:lstStyle/>
           <a:p>
             <a:r>
-              <a:rPr lang="en-US" smtClean="0"/>
+              <a:rPr lang="en-US"/>
               <a:t>Click to edit Master title style</a:t>
             </a:r>
             <a:endParaRPr lang="en-GB"/>
@@ -1851,7 +1867,7 @@
           <a:p>
             <a:fld id="{582F88E2-ABBC-4057-B4C5-64CCD90AA8FB}" type="datetimeFigureOut">
               <a:rPr lang="en-US" smtClean="0"/>
-              <a:t>5/30/2019</a:t>
+              <a:t>6/6/19</a:t>
             </a:fld>
             <a:endParaRPr lang="en-GB" dirty="0"/>
           </a:p>
@@ -1941,7 +1957,7 @@
           <a:p>
             <a:fld id="{582F88E2-ABBC-4057-B4C5-64CCD90AA8FB}" type="datetimeFigureOut">
               <a:rPr lang="en-US" smtClean="0"/>
-              <a:t>5/30/2019</a:t>
+              <a:t>6/6/19</a:t>
             </a:fld>
             <a:endParaRPr lang="en-GB" dirty="0"/>
           </a:p>
@@ -2039,7 +2055,7 @@
           </a:lstStyle>
           <a:p>
             <a:r>
-              <a:rPr lang="en-US" smtClean="0"/>
+              <a:rPr lang="en-US"/>
               <a:t>Click to edit Master title style</a:t>
             </a:r>
             <a:endParaRPr lang="en-GB"/>
@@ -2096,35 +2112,35 @@
           <a:p>
             <a:pPr lvl="0"/>
             <a:r>
-              <a:rPr lang="en-US" smtClean="0"/>
+              <a:rPr lang="en-US"/>
               <a:t>Click to edit Master text styles</a:t>
             </a:r>
           </a:p>
           <a:p>
             <a:pPr lvl="1"/>
             <a:r>
-              <a:rPr lang="en-US" smtClean="0"/>
+              <a:rPr lang="en-US"/>
               <a:t>Second level</a:t>
             </a:r>
           </a:p>
           <a:p>
             <a:pPr lvl="2"/>
             <a:r>
-              <a:rPr lang="en-US" smtClean="0"/>
+              <a:rPr lang="en-US"/>
               <a:t>Third level</a:t>
             </a:r>
           </a:p>
           <a:p>
             <a:pPr lvl="3"/>
             <a:r>
-              <a:rPr lang="en-US" smtClean="0"/>
+              <a:rPr lang="en-US"/>
               <a:t>Fourth level</a:t>
             </a:r>
           </a:p>
           <a:p>
             <a:pPr lvl="4"/>
             <a:r>
-              <a:rPr lang="en-US" smtClean="0"/>
+              <a:rPr lang="en-US"/>
               <a:t>Fifth level</a:t>
             </a:r>
             <a:endParaRPr lang="en-GB"/>
@@ -2190,7 +2206,7 @@
           <a:p>
             <a:pPr lvl="0"/>
             <a:r>
-              <a:rPr lang="en-US" smtClean="0"/>
+              <a:rPr lang="en-US"/>
               <a:t>Click to edit Master text styles</a:t>
             </a:r>
           </a:p>
@@ -2213,7 +2229,7 @@
           <a:p>
             <a:fld id="{582F88E2-ABBC-4057-B4C5-64CCD90AA8FB}" type="datetimeFigureOut">
               <a:rPr lang="en-US" smtClean="0"/>
-              <a:t>5/30/2019</a:t>
+              <a:t>6/6/19</a:t>
             </a:fld>
             <a:endParaRPr lang="en-GB" dirty="0"/>
           </a:p>
@@ -2311,7 +2327,7 @@
           </a:lstStyle>
           <a:p>
             <a:r>
-              <a:rPr lang="en-US" smtClean="0"/>
+              <a:rPr lang="en-US"/>
               <a:t>Click to edit Master title style</a:t>
             </a:r>
             <a:endParaRPr lang="en-GB"/>
@@ -2438,7 +2454,7 @@
           <a:p>
             <a:pPr lvl="0"/>
             <a:r>
-              <a:rPr lang="en-US" smtClean="0"/>
+              <a:rPr lang="en-US"/>
               <a:t>Click to edit Master text styles</a:t>
             </a:r>
           </a:p>
@@ -2461,7 +2477,7 @@
           <a:p>
             <a:fld id="{582F88E2-ABBC-4057-B4C5-64CCD90AA8FB}" type="datetimeFigureOut">
               <a:rPr lang="en-US" smtClean="0"/>
-              <a:t>5/30/2019</a:t>
+              <a:t>6/6/19</a:t>
             </a:fld>
             <a:endParaRPr lang="en-GB" dirty="0"/>
           </a:p>
@@ -2565,7 +2581,7 @@
           <a:lstStyle/>
           <a:p>
             <a:r>
-              <a:rPr lang="en-US" smtClean="0"/>
+              <a:rPr lang="en-US"/>
               <a:t>Click to edit Master title style</a:t>
             </a:r>
             <a:endParaRPr lang="en-GB"/>
@@ -2599,35 +2615,35 @@
           <a:p>
             <a:pPr lvl="0"/>
             <a:r>
-              <a:rPr lang="en-US" smtClean="0"/>
+              <a:rPr lang="en-US"/>
               <a:t>Click to edit Master text styles</a:t>
             </a:r>
           </a:p>
           <a:p>
             <a:pPr lvl="1"/>
             <a:r>
-              <a:rPr lang="en-US" smtClean="0"/>
+              <a:rPr lang="en-US"/>
               <a:t>Second level</a:t>
             </a:r>
           </a:p>
           <a:p>
             <a:pPr lvl="2"/>
             <a:r>
-              <a:rPr lang="en-US" smtClean="0"/>
+              <a:rPr lang="en-US"/>
               <a:t>Third level</a:t>
             </a:r>
           </a:p>
           <a:p>
             <a:pPr lvl="3"/>
             <a:r>
-              <a:rPr lang="en-US" smtClean="0"/>
+              <a:rPr lang="en-US"/>
               <a:t>Fourth level</a:t>
             </a:r>
           </a:p>
           <a:p>
             <a:pPr lvl="4"/>
             <a:r>
-              <a:rPr lang="en-US" smtClean="0"/>
+              <a:rPr lang="en-US"/>
               <a:t>Fifth level</a:t>
             </a:r>
             <a:endParaRPr lang="en-GB"/>
@@ -2669,7 +2685,7 @@
           <a:p>
             <a:fld id="{582F88E2-ABBC-4057-B4C5-64CCD90AA8FB}" type="datetimeFigureOut">
               <a:rPr lang="en-US" smtClean="0"/>
-              <a:t>5/30/2019</a:t>
+              <a:t>6/6/19</a:t>
             </a:fld>
             <a:endParaRPr lang="en-GB" dirty="0"/>
           </a:p>
@@ -3055,10 +3071,9 @@
           <a:lstStyle/>
           <a:p>
             <a:r>
-              <a:rPr lang="en-GB" dirty="0" smtClean="0"/>
+              <a:rPr lang="en-GB" dirty="0"/>
               <a:t>If Statements - C#</a:t>
             </a:r>
-            <a:endParaRPr lang="en-GB" dirty="0"/>
           </a:p>
         </p:txBody>
       </p:sp>
@@ -3103,10 +3118,9 @@
           <a:lstStyle/>
           <a:p>
             <a:r>
-              <a:rPr lang="en-GB" dirty="0" smtClean="0"/>
+              <a:rPr lang="en-GB" dirty="0"/>
               <a:t>If statement</a:t>
             </a:r>
-            <a:endParaRPr lang="en-GB" dirty="0"/>
           </a:p>
         </p:txBody>
       </p:sp>
@@ -3131,7 +3145,7 @@
               <a:buNone/>
             </a:pPr>
             <a:r>
-              <a:rPr lang="en-GB" dirty="0" smtClean="0"/>
+              <a:rPr lang="en-GB" dirty="0"/>
               <a:t>int number;</a:t>
             </a:r>
           </a:p>
@@ -3139,14 +3153,14 @@
             <a:pPr>
               <a:buNone/>
             </a:pPr>
-            <a:endParaRPr lang="en-GB" dirty="0" smtClean="0"/>
-          </a:p>
-          <a:p>
-            <a:pPr>
-              <a:buNone/>
-            </a:pPr>
-            <a:r>
-              <a:rPr lang="en-GB" dirty="0" smtClean="0"/>
+            <a:endParaRPr lang="en-GB" dirty="0"/>
+          </a:p>
+          <a:p>
+            <a:pPr>
+              <a:buNone/>
+            </a:pPr>
+            <a:r>
+              <a:rPr lang="en-GB" dirty="0"/>
               <a:t>Console.WriteLine("Please enter a number between 0 and 10:");</a:t>
             </a:r>
           </a:p>
@@ -3154,14 +3168,14 @@
             <a:pPr>
               <a:buNone/>
             </a:pPr>
-            <a:endParaRPr lang="en-GB" dirty="0" smtClean="0"/>
-          </a:p>
-          <a:p>
-            <a:pPr>
-              <a:buNone/>
-            </a:pPr>
-            <a:r>
-              <a:rPr lang="en-GB" dirty="0" smtClean="0"/>
+            <a:endParaRPr lang="en-GB" dirty="0"/>
+          </a:p>
+          <a:p>
+            <a:pPr>
+              <a:buNone/>
+            </a:pPr>
+            <a:r>
+              <a:rPr lang="en-GB" dirty="0"/>
               <a:t>// use either for converting a string input into an integer</a:t>
             </a:r>
           </a:p>
@@ -3170,7 +3184,7 @@
               <a:buNone/>
             </a:pPr>
             <a:r>
-              <a:rPr lang="en-GB" dirty="0" smtClean="0"/>
+              <a:rPr lang="en-GB" dirty="0"/>
               <a:t>number = convert.ToInt32(Console.ReadLine());</a:t>
             </a:r>
           </a:p>
@@ -3179,7 +3193,7 @@
               <a:buNone/>
             </a:pPr>
             <a:r>
-              <a:rPr lang="en-GB" dirty="0" smtClean="0"/>
+              <a:rPr lang="en-GB" dirty="0"/>
               <a:t>number = int.Parse(Console.ReadLine());</a:t>
             </a:r>
           </a:p>
@@ -3187,14 +3201,14 @@
             <a:pPr>
               <a:buNone/>
             </a:pPr>
-            <a:endParaRPr lang="en-GB" dirty="0" smtClean="0"/>
-          </a:p>
-          <a:p>
-            <a:pPr>
-              <a:buNone/>
-            </a:pPr>
-            <a:r>
-              <a:rPr lang="en-GB" dirty="0" smtClean="0"/>
+            <a:endParaRPr lang="en-GB" dirty="0"/>
+          </a:p>
+          <a:p>
+            <a:pPr>
+              <a:buNone/>
+            </a:pPr>
+            <a:r>
+              <a:rPr lang="en-GB" dirty="0"/>
               <a:t>if(number &gt; 10)</a:t>
             </a:r>
           </a:p>
@@ -3203,7 +3217,7 @@
               <a:buNone/>
             </a:pPr>
             <a:r>
-              <a:rPr lang="en-GB" dirty="0" smtClean="0"/>
+              <a:rPr lang="en-GB" dirty="0"/>
               <a:t>	Console.WriteLine("Hey! The number should be 10 or less!");</a:t>
             </a:r>
           </a:p>
@@ -3211,17 +3225,16 @@
             <a:pPr>
               <a:buNone/>
             </a:pPr>
-            <a:endParaRPr lang="en-GB" dirty="0" smtClean="0"/>
-          </a:p>
-          <a:p>
-            <a:pPr>
-              <a:buNone/>
-            </a:pPr>
-            <a:r>
-              <a:rPr lang="en-GB" dirty="0" smtClean="0"/>
+            <a:endParaRPr lang="en-GB" dirty="0"/>
+          </a:p>
+          <a:p>
+            <a:pPr>
+              <a:buNone/>
+            </a:pPr>
+            <a:r>
+              <a:rPr lang="en-GB" dirty="0"/>
               <a:t>Console.ReadLine();</a:t>
             </a:r>
-            <a:endParaRPr lang="en-GB" dirty="0"/>
           </a:p>
         </p:txBody>
       </p:sp>
@@ -3262,14 +3275,27 @@
         </p:nvSpPr>
         <p:spPr/>
         <p:txBody>
-          <a:bodyPr/>
-          <a:lstStyle/>
-          <a:p>
-            <a:r>
-              <a:rPr lang="en-GB" dirty="0" smtClean="0"/>
+          <a:bodyPr>
+            <a:normAutofit fontScale="90000"/>
+          </a:bodyPr>
+          <a:lstStyle/>
+          <a:p>
+            <a:r>
+              <a:rPr lang="en-GB" dirty="0"/>
               <a:t>If.. Else statement</a:t>
             </a:r>
-            <a:endParaRPr lang="en-GB" dirty="0"/>
+            <a:br>
+              <a:rPr lang="en-GB" dirty="0"/>
+            </a:br>
+            <a:r>
+              <a:rPr lang="en-GB" sz="3100" dirty="0"/>
+              <a:t>Fun Fact: this is the concept of </a:t>
+            </a:r>
+            <a:r>
+              <a:rPr lang="en-GB" sz="3100"/>
+              <a:t>branching in ICT </a:t>
+            </a:r>
+            <a:endParaRPr lang="en-GB" sz="3100" dirty="0"/>
           </a:p>
         </p:txBody>
       </p:sp>
@@ -3294,7 +3320,7 @@
               <a:buNone/>
             </a:pPr>
             <a:r>
-              <a:rPr lang="en-GB" dirty="0" smtClean="0"/>
+              <a:rPr lang="en-GB" dirty="0"/>
               <a:t>int number;</a:t>
             </a:r>
           </a:p>
@@ -3302,14 +3328,14 @@
             <a:pPr>
               <a:buNone/>
             </a:pPr>
-            <a:endParaRPr lang="en-GB" dirty="0" smtClean="0"/>
-          </a:p>
-          <a:p>
-            <a:pPr>
-              <a:buNone/>
-            </a:pPr>
-            <a:r>
-              <a:rPr lang="en-GB" dirty="0" smtClean="0"/>
+            <a:endParaRPr lang="en-GB" dirty="0"/>
+          </a:p>
+          <a:p>
+            <a:pPr>
+              <a:buNone/>
+            </a:pPr>
+            <a:r>
+              <a:rPr lang="en-GB" dirty="0"/>
               <a:t>Console.WriteLine("Please enter a number between 0 and 10:");</a:t>
             </a:r>
           </a:p>
@@ -3317,14 +3343,14 @@
             <a:pPr>
               <a:buNone/>
             </a:pPr>
-            <a:endParaRPr lang="en-GB" dirty="0" smtClean="0"/>
-          </a:p>
-          <a:p>
-            <a:pPr>
-              <a:buNone/>
-            </a:pPr>
-            <a:r>
-              <a:rPr lang="en-GB" dirty="0" smtClean="0"/>
+            <a:endParaRPr lang="en-GB" dirty="0"/>
+          </a:p>
+          <a:p>
+            <a:pPr>
+              <a:buNone/>
+            </a:pPr>
+            <a:r>
+              <a:rPr lang="en-GB" dirty="0"/>
               <a:t>// use either for converting a string input into an integer</a:t>
             </a:r>
           </a:p>
@@ -3333,7 +3359,7 @@
               <a:buNone/>
             </a:pPr>
             <a:r>
-              <a:rPr lang="en-GB" dirty="0" smtClean="0"/>
+              <a:rPr lang="en-GB" dirty="0"/>
               <a:t>number = convert.ToInt32(Console.ReadLine());</a:t>
             </a:r>
           </a:p>
@@ -3342,7 +3368,7 @@
               <a:buNone/>
             </a:pPr>
             <a:r>
-              <a:rPr lang="en-GB" dirty="0" smtClean="0"/>
+              <a:rPr lang="en-GB" dirty="0"/>
               <a:t>number = int.Parse(Console.ReadLine());</a:t>
             </a:r>
           </a:p>
@@ -3350,14 +3376,14 @@
             <a:pPr>
               <a:buNone/>
             </a:pPr>
-            <a:endParaRPr lang="en-GB" dirty="0" smtClean="0"/>
-          </a:p>
-          <a:p>
-            <a:pPr>
-              <a:buNone/>
-            </a:pPr>
-            <a:r>
-              <a:rPr lang="en-GB" dirty="0" smtClean="0"/>
+            <a:endParaRPr lang="en-GB" dirty="0"/>
+          </a:p>
+          <a:p>
+            <a:pPr>
+              <a:buNone/>
+            </a:pPr>
+            <a:r>
+              <a:rPr lang="en-GB" dirty="0"/>
               <a:t>if(number &gt; 10)</a:t>
             </a:r>
           </a:p>
@@ -3366,7 +3392,7 @@
               <a:buNone/>
             </a:pPr>
             <a:r>
-              <a:rPr lang="en-GB" dirty="0" smtClean="0"/>
+              <a:rPr lang="en-GB" dirty="0"/>
               <a:t>	Console.WriteLine("Hey! The number should be 10 or less!");</a:t>
             </a:r>
           </a:p>
@@ -3375,7 +3401,7 @@
               <a:buNone/>
             </a:pPr>
             <a:r>
-              <a:rPr lang="en-GB" dirty="0" smtClean="0"/>
+              <a:rPr lang="en-GB" dirty="0"/>
               <a:t>else</a:t>
             </a:r>
           </a:p>
@@ -3384,7 +3410,7 @@
               <a:buNone/>
             </a:pPr>
             <a:r>
-              <a:rPr lang="en-GB" dirty="0" smtClean="0"/>
+              <a:rPr lang="en-GB" dirty="0"/>
               <a:t>	Console.WriteLine("Good job!");</a:t>
             </a:r>
           </a:p>
@@ -3392,17 +3418,16 @@
             <a:pPr>
               <a:buNone/>
             </a:pPr>
-            <a:endParaRPr lang="en-GB" dirty="0" smtClean="0"/>
-          </a:p>
-          <a:p>
-            <a:pPr>
-              <a:buNone/>
-            </a:pPr>
-            <a:r>
-              <a:rPr lang="en-GB" dirty="0" smtClean="0"/>
+            <a:endParaRPr lang="en-GB" dirty="0"/>
+          </a:p>
+          <a:p>
+            <a:pPr>
+              <a:buNone/>
+            </a:pPr>
+            <a:r>
+              <a:rPr lang="en-GB" dirty="0"/>
               <a:t>Console.ReadLine();</a:t>
             </a:r>
-            <a:endParaRPr lang="en-GB" dirty="0"/>
           </a:p>
         </p:txBody>
       </p:sp>
@@ -3447,10 +3472,9 @@
           <a:lstStyle/>
           <a:p>
             <a:r>
-              <a:rPr lang="en-GB" dirty="0" smtClean="0"/>
-              <a:t>If... Else If... Else statement</a:t>
-            </a:r>
-            <a:endParaRPr lang="en-GB" dirty="0"/>
+              <a:rPr lang="en-GB" dirty="0"/>
+              <a:t>If Else ladder</a:t>
+            </a:r>
           </a:p>
         </p:txBody>
       </p:sp>
@@ -3475,7 +3499,7 @@
               <a:buNone/>
             </a:pPr>
             <a:r>
-              <a:rPr lang="en-GB" dirty="0" smtClean="0"/>
+              <a:rPr lang="en-GB" dirty="0"/>
               <a:t>int number;</a:t>
             </a:r>
           </a:p>
@@ -3490,7 +3514,7 @@
               <a:buNone/>
             </a:pPr>
             <a:r>
-              <a:rPr lang="en-GB" dirty="0" smtClean="0"/>
+              <a:rPr lang="en-GB" dirty="0"/>
               <a:t>Console.WriteLine("Please enter a number between 0 and 10:");</a:t>
             </a:r>
           </a:p>
@@ -3498,14 +3522,14 @@
             <a:pPr>
               <a:buNone/>
             </a:pPr>
-            <a:endParaRPr lang="en-GB" dirty="0" smtClean="0"/>
-          </a:p>
-          <a:p>
-            <a:pPr>
-              <a:buNone/>
-            </a:pPr>
-            <a:r>
-              <a:rPr lang="en-GB" dirty="0" smtClean="0"/>
+            <a:endParaRPr lang="en-GB" dirty="0"/>
+          </a:p>
+          <a:p>
+            <a:pPr>
+              <a:buNone/>
+            </a:pPr>
+            <a:r>
+              <a:rPr lang="en-GB" dirty="0"/>
               <a:t>// use either for converting a string input into an integer</a:t>
             </a:r>
           </a:p>
@@ -3515,28 +3539,15 @@
             </a:pPr>
             <a:r>
               <a:rPr lang="en-GB" dirty="0"/>
-              <a:t>n</a:t>
-            </a:r>
-            <a:r>
-              <a:rPr lang="en-GB" dirty="0" smtClean="0"/>
-              <a:t>umber = convert.ToInt32(</a:t>
-            </a:r>
-            <a:r>
-              <a:rPr lang="en-GB" dirty="0" smtClean="0"/>
-              <a:t>Console.ReadLine()</a:t>
-            </a:r>
-            <a:r>
-              <a:rPr lang="en-GB" dirty="0" smtClean="0"/>
-              <a:t>);</a:t>
-            </a:r>
-            <a:endParaRPr lang="en-GB" dirty="0"/>
-          </a:p>
-          <a:p>
-            <a:pPr>
-              <a:buNone/>
-            </a:pPr>
-            <a:r>
-              <a:rPr lang="en-GB" dirty="0" smtClean="0"/>
+              <a:t>number = convert.ToInt32(Console.ReadLine());</a:t>
+            </a:r>
+          </a:p>
+          <a:p>
+            <a:pPr>
+              <a:buNone/>
+            </a:pPr>
+            <a:r>
+              <a:rPr lang="en-GB" dirty="0"/>
               <a:t>number = int.Parse(Console.ReadLine());</a:t>
             </a:r>
           </a:p>
@@ -3551,7 +3562,7 @@
               <a:buNone/>
             </a:pPr>
             <a:r>
-              <a:rPr lang="en-GB" dirty="0" smtClean="0"/>
+              <a:rPr lang="en-GB" dirty="0"/>
               <a:t>if(number &gt; 10)</a:t>
             </a:r>
           </a:p>
@@ -3560,10 +3571,9 @@
               <a:buNone/>
             </a:pPr>
             <a:r>
-              <a:rPr lang="en-GB" dirty="0" smtClean="0"/>
+              <a:rPr lang="en-GB" dirty="0"/>
               <a:t>	Console.WriteLine("Hey! The number should be 10 or less!");</a:t>
             </a:r>
-            <a:endParaRPr lang="en-GB" dirty="0"/>
           </a:p>
           <a:p>
             <a:pPr>
@@ -3571,19 +3581,15 @@
             </a:pPr>
             <a:r>
               <a:rPr lang="en-GB" dirty="0"/>
-              <a:t>e</a:t>
-            </a:r>
-            <a:r>
-              <a:rPr lang="en-GB" dirty="0" smtClean="0"/>
-              <a:t>lse if(number &lt; 0)</a:t>
-            </a:r>
-          </a:p>
-          <a:p>
-            <a:pPr>
-              <a:buNone/>
-            </a:pPr>
-            <a:r>
-              <a:rPr lang="en-GB" dirty="0" smtClean="0"/>
+              <a:t>else if(number &lt; 0)</a:t>
+            </a:r>
+          </a:p>
+          <a:p>
+            <a:pPr>
+              <a:buNone/>
+            </a:pPr>
+            <a:r>
+              <a:rPr lang="en-GB" dirty="0"/>
               <a:t>	Console.WriteLine("Hey! The number should be 0 or more!");</a:t>
             </a:r>
           </a:p>
@@ -3593,11 +3599,7 @@
             </a:pPr>
             <a:r>
               <a:rPr lang="en-GB" dirty="0"/>
-              <a:t>e</a:t>
-            </a:r>
-            <a:r>
-              <a:rPr lang="en-GB" dirty="0" smtClean="0"/>
-              <a:t>lse</a:t>
+              <a:t>else</a:t>
             </a:r>
           </a:p>
           <a:p>
@@ -3606,28 +3608,23 @@
             </a:pPr>
             <a:r>
               <a:rPr lang="en-GB" dirty="0"/>
-              <a:t>	</a:t>
-            </a:r>
-            <a:r>
-              <a:rPr lang="en-GB" dirty="0" smtClean="0"/>
-              <a:t>Console.WriteLine("Good job!");</a:t>
-            </a:r>
-          </a:p>
-          <a:p>
-            <a:pPr>
-              <a:buNone/>
-            </a:pPr>
-            <a:endParaRPr lang="en-GB" dirty="0"/>
-          </a:p>
-          <a:p>
-            <a:pPr>
-              <a:buNone/>
-            </a:pPr>
-            <a:r>
-              <a:rPr lang="en-GB" dirty="0" smtClean="0"/>
+              <a:t>	Console.WriteLine("Good job!");</a:t>
+            </a:r>
+          </a:p>
+          <a:p>
+            <a:pPr>
+              <a:buNone/>
+            </a:pPr>
+            <a:endParaRPr lang="en-GB" dirty="0"/>
+          </a:p>
+          <a:p>
+            <a:pPr>
+              <a:buNone/>
+            </a:pPr>
+            <a:r>
+              <a:rPr lang="en-GB" dirty="0"/>
               <a:t>Console.ReadLine();</a:t>
             </a:r>
-            <a:endParaRPr lang="en-GB" dirty="0"/>
           </a:p>
         </p:txBody>
       </p:sp>
@@ -3672,10 +3669,9 @@
           <a:lstStyle/>
           <a:p>
             <a:r>
-              <a:rPr lang="en-GB" dirty="0" smtClean="0"/>
+              <a:rPr lang="en-GB" dirty="0"/>
               <a:t>Exercises</a:t>
             </a:r>
-            <a:endParaRPr lang="en-GB" dirty="0"/>
           </a:p>
         </p:txBody>
       </p:sp>
@@ -3701,7 +3697,7 @@
               <a:buAutoNum type="arabicPeriod"/>
             </a:pPr>
             <a:r>
-              <a:rPr lang="en-GB" dirty="0" smtClean="0"/>
+              <a:rPr lang="en-GB" dirty="0"/>
               <a:t>Write a C# program to get a number from the user and print whether it is positive or negative.</a:t>
             </a:r>
           </a:p>
@@ -3710,7 +3706,7 @@
               <a:buFont typeface="+mj-lt"/>
               <a:buAutoNum type="arabicPeriod"/>
             </a:pPr>
-            <a:endParaRPr lang="en-GB" dirty="0" smtClean="0"/>
+            <a:endParaRPr lang="en-GB" dirty="0"/>
           </a:p>
           <a:p>
             <a:pPr marL="514350" indent="-514350">
@@ -3718,7 +3714,7 @@
               <a:buAutoNum type="arabicPeriod"/>
             </a:pPr>
             <a:r>
-              <a:rPr lang="en-GB" dirty="0" smtClean="0"/>
+              <a:rPr lang="en-GB" dirty="0"/>
               <a:t>Write a C# program to solve quadratic equations.</a:t>
             </a:r>
           </a:p>
@@ -3727,7 +3723,7 @@
               <a:buFont typeface="+mj-lt"/>
               <a:buAutoNum type="arabicPeriod"/>
             </a:pPr>
-            <a:endParaRPr lang="en-GB" dirty="0" smtClean="0"/>
+            <a:endParaRPr lang="en-GB" dirty="0"/>
           </a:p>
           <a:p>
             <a:pPr marL="514350" indent="-514350">
@@ -3735,12 +3731,8 @@
               <a:buAutoNum type="arabicPeriod"/>
             </a:pPr>
             <a:r>
-              <a:rPr lang="en-GB" dirty="0" smtClean="0"/>
-              <a:t>Write a C# program to t</a:t>
-            </a:r>
-            <a:r>
-              <a:rPr lang="en-GB" dirty="0" smtClean="0"/>
-              <a:t>ake three numbers from the user and print the greatest number.</a:t>
+              <a:rPr lang="en-GB" dirty="0"/>
+              <a:t>Write a C# program to take three numbers from the user and print the greatest number.</a:t>
             </a:r>
           </a:p>
           <a:p>
@@ -3748,7 +3740,7 @@
               <a:buFont typeface="+mj-lt"/>
               <a:buAutoNum type="arabicPeriod"/>
             </a:pPr>
-            <a:endParaRPr lang="en-GB" dirty="0" smtClean="0"/>
+            <a:endParaRPr lang="en-GB" dirty="0"/>
           </a:p>
           <a:p>
             <a:pPr marL="514350" indent="-514350">
@@ -3756,10 +3748,9 @@
               <a:buAutoNum type="arabicPeriod"/>
             </a:pPr>
             <a:r>
-              <a:rPr lang="en-GB" dirty="0" smtClean="0"/>
+              <a:rPr lang="en-GB" dirty="0"/>
               <a:t>Write a C# program that takes the user to provide a single character from the alphabet. Print Vowel or Consonant, depending on the user input.</a:t>
             </a:r>
-            <a:endParaRPr lang="en-GB" dirty="0"/>
           </a:p>
         </p:txBody>
       </p:sp>
